--- a/FYP  PRESENTATION .pptx
+++ b/FYP  PRESENTATION .pptx
@@ -223,7 +223,7 @@
           <a:p>
             <a:fld id="{9E975244-33B4-244B-A01B-F665252EDDD4}" type="datetimeFigureOut">
               <a:rPr lang="en-US" smtClean="0"/>
-              <a:t>7/13/2021</a:t>
+              <a:t>7/16/2021</a:t>
             </a:fld>
             <a:endParaRPr lang="en-US"/>
           </a:p>
@@ -2320,7 +2320,7 @@
           <a:p>
             <a:fld id="{D9756E42-5E74-4732-83BF-BA741C703F50}" type="datetime1">
               <a:rPr lang="en-US" smtClean="0"/>
-              <a:t>7/13/2021</a:t>
+              <a:t>7/16/2021</a:t>
             </a:fld>
             <a:endParaRPr lang="en-US"/>
           </a:p>
@@ -2516,7 +2516,7 @@
           <a:p>
             <a:fld id="{CE16757F-B517-405D-9104-0175649E9A0F}" type="datetime1">
               <a:rPr lang="en-US" smtClean="0"/>
-              <a:t>7/13/2021</a:t>
+              <a:t>7/16/2021</a:t>
             </a:fld>
             <a:endParaRPr lang="en-US"/>
           </a:p>
@@ -2701,7 +2701,7 @@
           <a:p>
             <a:fld id="{BD939E43-66B1-4F22-BD6B-CA060CCCE83F}" type="datetime1">
               <a:rPr lang="en-US" smtClean="0"/>
-              <a:t>7/13/2021</a:t>
+              <a:t>7/16/2021</a:t>
             </a:fld>
             <a:endParaRPr lang="en-US"/>
           </a:p>
@@ -2851,7 +2851,7 @@
           <a:p>
             <a:fld id="{901DF76D-09B0-4CFB-9EAF-9D4CA2E1F9A5}" type="datetime1">
               <a:rPr lang="en-US" smtClean="0"/>
-              <a:t>7/13/2021</a:t>
+              <a:t>7/16/2021</a:t>
             </a:fld>
             <a:endParaRPr lang="en-US"/>
           </a:p>
@@ -3106,7 +3106,7 @@
           <a:p>
             <a:fld id="{06C32277-9FAA-4AB0-82ED-28D7AF746E6A}" type="datetime1">
               <a:rPr lang="en-US" smtClean="0"/>
-              <a:t>7/13/2021</a:t>
+              <a:t>7/16/2021</a:t>
             </a:fld>
             <a:endParaRPr lang="en-US"/>
           </a:p>
@@ -3515,7 +3515,7 @@
           <a:p>
             <a:fld id="{D24714DB-9523-4435-97CE-29D749231BAD}" type="datetime1">
               <a:rPr lang="en-US" smtClean="0"/>
-              <a:t>7/13/2021</a:t>
+              <a:t>7/16/2021</a:t>
             </a:fld>
             <a:endParaRPr lang="en-US"/>
           </a:p>
@@ -3961,7 +3961,7 @@
           <a:p>
             <a:fld id="{0077FB7C-9F71-49FC-AA78-133166F4B360}" type="datetime1">
               <a:rPr lang="en-US" smtClean="0"/>
-              <a:t>7/13/2021</a:t>
+              <a:t>7/16/2021</a:t>
             </a:fld>
             <a:endParaRPr lang="en-US"/>
           </a:p>
@@ -4062,7 +4062,7 @@
           <a:p>
             <a:fld id="{7D4CEA0B-883C-4954-9376-19236004B43C}" type="datetime1">
               <a:rPr lang="en-US" smtClean="0"/>
-              <a:t>7/13/2021</a:t>
+              <a:t>7/16/2021</a:t>
             </a:fld>
             <a:endParaRPr lang="en-US"/>
           </a:p>
@@ -4183,7 +4183,7 @@
           <a:p>
             <a:fld id="{EB593F70-E4BA-405E-AD03-FC4110F7904F}" type="datetime1">
               <a:rPr lang="en-US" smtClean="0"/>
-              <a:t>7/13/2021</a:t>
+              <a:t>7/16/2021</a:t>
             </a:fld>
             <a:endParaRPr lang="en-US"/>
           </a:p>
@@ -4457,7 +4457,7 @@
           <a:p>
             <a:fld id="{113967C2-7E39-484B-ABD7-50DB41A36BCD}" type="datetime1">
               <a:rPr lang="en-US" smtClean="0"/>
-              <a:t>7/13/2021</a:t>
+              <a:t>7/16/2021</a:t>
             </a:fld>
             <a:endParaRPr lang="en-US"/>
           </a:p>
@@ -4662,7 +4662,7 @@
           <a:p>
             <a:fld id="{2AAA735F-18F6-4F48-AC91-C16B8D8EDB6A}" type="datetime1">
               <a:rPr lang="en-US" smtClean="0"/>
-              <a:t>7/13/2021</a:t>
+              <a:t>7/16/2021</a:t>
             </a:fld>
             <a:endParaRPr lang="en-US"/>
           </a:p>
@@ -5771,7 +5771,7 @@
           <a:p>
             <a:fld id="{1C50EF5E-F667-443E-8AA8-E3E8620ECCE4}" type="datetime1">
               <a:rPr lang="en-US" smtClean="0"/>
-              <a:t>7/13/2021</a:t>
+              <a:t>7/16/2021</a:t>
             </a:fld>
             <a:endParaRPr lang="en-US"/>
           </a:p>
@@ -7394,10 +7394,8 @@
       </p:sp>
       <p:pic>
         <p:nvPicPr>
-          <p:cNvPr id="2" name="Picture 1"/>
-          <p:cNvPicPr>
-            <a:picLocks noChangeAspect="1"/>
-          </p:cNvPicPr>
+          <p:cNvPr id="5" name="Picture 4" descr="C:\Users\Emuen\AppData\Local\Microsoft\Windows\INetCache\Content.Word\newfile.png"/>
+          <p:cNvPicPr/>
           <p:nvPr/>
         </p:nvPicPr>
         <p:blipFill>
@@ -7408,18 +7406,23 @@
               </a:ext>
             </a:extLst>
           </a:blip>
+          <a:srcRect/>
           <a:stretch>
             <a:fillRect/>
           </a:stretch>
         </p:blipFill>
-        <p:spPr>
+        <p:spPr bwMode="auto">
           <a:xfrm>
-            <a:off x="1524000" y="1148593"/>
-            <a:ext cx="5715000" cy="5029200"/>
+            <a:off x="1676400" y="1143000"/>
+            <a:ext cx="4572000" cy="5083571"/>
           </a:xfrm>
           <a:prstGeom prst="rect">
             <a:avLst/>
           </a:prstGeom>
+          <a:noFill/>
+          <a:ln>
+            <a:noFill/>
+          </a:ln>
         </p:spPr>
       </p:pic>
     </p:spTree>
@@ -7765,7 +7768,6 @@
               <a:rPr lang="en-US" dirty="0" smtClean="0"/>
               <a:t>Artificial Intelligence</a:t>
             </a:r>
-            <a:endParaRPr lang="en-US" dirty="0" smtClean="0"/>
           </a:p>
           <a:p>
             <a:pPr marL="393192" lvl="1" indent="0">
@@ -8490,15 +8492,7 @@
                   <a:srgbClr val="0000FF"/>
                 </a:solidFill>
               </a:rPr>
-              <a:t>Tools </a:t>
-            </a:r>
-            <a:r>
-              <a:rPr lang="en-US" dirty="0" smtClean="0">
-                <a:solidFill>
-                  <a:srgbClr val="0000FF"/>
-                </a:solidFill>
-              </a:rPr>
-              <a:t>and Technologies</a:t>
+              <a:t>Tools and Technologies</a:t>
             </a:r>
           </a:p>
           <a:p>
@@ -8526,15 +8520,7 @@
                   <a:srgbClr val="0000FF"/>
                 </a:solidFill>
               </a:rPr>
-              <a:t>Conclusion </a:t>
-            </a:r>
-            <a:r>
-              <a:rPr lang="en-US" dirty="0" smtClean="0">
-                <a:solidFill>
-                  <a:srgbClr val="0000FF"/>
-                </a:solidFill>
-              </a:rPr>
-              <a:t>&amp; Future Work</a:t>
+              <a:t>Conclusion &amp; Future Work</a:t>
             </a:r>
           </a:p>
           <a:p>
